--- a/servicemesh/mesh004.pptx
+++ b/servicemesh/mesh004.pptx
@@ -212,7 +212,7 @@
           <a:p>
             <a:fld id="{63F136E3-80C6-A842-B275-74FC7A4265FC}" type="datetimeFigureOut">
               <a:rPr kumimoji="1" lang="zh-CN" altLang="en-US" smtClean="0"/>
-              <a:t>2019/7/7</a:t>
+              <a:t>2019/7/13</a:t>
             </a:fld>
             <a:endParaRPr kumimoji="1" lang="zh-CN" altLang="en-US"/>
           </a:p>
@@ -1680,7 +1680,7 @@
           <a:effectLst/>
           <a:extLst>
             <a:ext uri="{91240B29-F687-4f45-9708-019B960494DF}">
-              <a14:hiddenLine xmlns:a14="http://schemas.microsoft.com/office/drawing/2010/main" xmlns="" w="9525">
+              <a14:hiddenLine xmlns="" xmlns:a14="http://schemas.microsoft.com/office/drawing/2010/main" w="9525">
                 <a:solidFill>
                   <a:srgbClr val="000000"/>
                 </a:solidFill>
@@ -1873,7 +1873,7 @@
             <a:fld id="{08B9EBBA-996F-894A-B54A-D6246ED52CEA}" type="datetimeFigureOut">
               <a:rPr lang="en-US" dirty="0"/>
               <a:pPr/>
-              <a:t>7/7/19</a:t>
+              <a:t>7/13/2019</a:t>
             </a:fld>
             <a:endParaRPr lang="en-US" dirty="0"/>
           </a:p>
@@ -2188,7 +2188,7 @@
             <a:fld id="{18C79C5D-2A6F-F04D-97DA-BEF2467B64E4}" type="datetimeFigureOut">
               <a:rPr lang="en-US" dirty="0"/>
               <a:pPr/>
-              <a:t>7/7/19</a:t>
+              <a:t>7/13/2019</a:t>
             </a:fld>
             <a:endParaRPr lang="en-US" dirty="0"/>
           </a:p>
@@ -2673,7 +2673,7 @@
             <a:fld id="{8DFA1846-DA80-1C48-A609-854EA85C59AD}" type="datetimeFigureOut">
               <a:rPr lang="en-US" dirty="0"/>
               <a:pPr/>
-              <a:t>7/7/19</a:t>
+              <a:t>7/13/2019</a:t>
             </a:fld>
             <a:endParaRPr lang="en-US" dirty="0"/>
           </a:p>
@@ -3039,7 +3039,7 @@
             <a:fld id="{FBF54567-0DE4-3F47-BF90-CB84690072F9}" type="datetimeFigureOut">
               <a:rPr lang="en-US" dirty="0"/>
               <a:pPr/>
-              <a:t>7/7/19</a:t>
+              <a:t>7/13/2019</a:t>
             </a:fld>
             <a:endParaRPr lang="en-US" dirty="0"/>
           </a:p>
@@ -3190,7 +3190,7 @@
           <a:ln/>
           <a:extLst>
             <a:ext uri="{91240B29-F687-4f45-9708-019B960494DF}">
-              <a14:hiddenLine xmlns:a14="http://schemas.microsoft.com/office/drawing/2010/main" xmlns="" w="9525">
+              <a14:hiddenLine xmlns="" xmlns:a14="http://schemas.microsoft.com/office/drawing/2010/main" w="9525">
                 <a:solidFill>
                   <a:srgbClr val="000000"/>
                 </a:solidFill>
@@ -3309,7 +3309,7 @@
             <a:fld id="{C6C52C72-DE31-F449-A4ED-4C594FD91407}" type="datetimeFigureOut">
               <a:rPr lang="en-US" dirty="0"/>
               <a:pPr/>
-              <a:t>7/7/19</a:t>
+              <a:t>7/13/2019</a:t>
             </a:fld>
             <a:endParaRPr lang="en-US" dirty="0"/>
           </a:p>
@@ -3462,7 +3462,7 @@
           <a:ln/>
           <a:extLst>
             <a:ext uri="{91240B29-F687-4f45-9708-019B960494DF}">
-              <a14:hiddenLine xmlns:a14="http://schemas.microsoft.com/office/drawing/2010/main" xmlns="" w="9525">
+              <a14:hiddenLine xmlns="" xmlns:a14="http://schemas.microsoft.com/office/drawing/2010/main" w="9525">
                 <a:solidFill>
                   <a:srgbClr val="000000"/>
                 </a:solidFill>
@@ -3591,7 +3591,7 @@
             <a:fld id="{ED62726E-379B-B349-9EED-81ED093FA806}" type="datetimeFigureOut">
               <a:rPr lang="en-US" dirty="0"/>
               <a:pPr/>
-              <a:t>7/7/19</a:t>
+              <a:t>7/13/2019</a:t>
             </a:fld>
             <a:endParaRPr lang="en-US" dirty="0"/>
           </a:p>
@@ -3742,7 +3742,7 @@
           <a:ln/>
           <a:extLst>
             <a:ext uri="{91240B29-F687-4f45-9708-019B960494DF}">
-              <a14:hiddenLine xmlns:a14="http://schemas.microsoft.com/office/drawing/2010/main" xmlns="" w="9525">
+              <a14:hiddenLine xmlns="" xmlns:a14="http://schemas.microsoft.com/office/drawing/2010/main" w="9525">
                 <a:solidFill>
                   <a:srgbClr val="000000"/>
                 </a:solidFill>
@@ -3871,7 +3871,7 @@
             <a:fld id="{9B3A1323-8D79-1946-B0D7-40001CF92E9D}" type="datetimeFigureOut">
               <a:rPr lang="en-US" dirty="0"/>
               <a:pPr/>
-              <a:t>7/7/19</a:t>
+              <a:t>7/13/2019</a:t>
             </a:fld>
             <a:endParaRPr lang="en-US" dirty="0"/>
           </a:p>
@@ -4211,7 +4211,7 @@
             <a:fld id="{8DFA1846-DA80-1C48-A609-854EA85C59AD}" type="datetimeFigureOut">
               <a:rPr lang="en-US" dirty="0"/>
               <a:pPr/>
-              <a:t>7/7/19</a:t>
+              <a:t>7/13/2019</a:t>
             </a:fld>
             <a:endParaRPr lang="en-US" dirty="0"/>
           </a:p>
@@ -4362,7 +4362,7 @@
           <a:ln/>
           <a:extLst>
             <a:ext uri="{91240B29-F687-4f45-9708-019B960494DF}">
-              <a14:hiddenLine xmlns:a14="http://schemas.microsoft.com/office/drawing/2010/main" xmlns="" w="9525">
+              <a14:hiddenLine xmlns="" xmlns:a14="http://schemas.microsoft.com/office/drawing/2010/main" w="9525">
                 <a:solidFill>
                   <a:srgbClr val="000000"/>
                 </a:solidFill>
@@ -4547,7 +4547,7 @@
             <a:fld id="{57302355-E14B-8545-A8F8-0FE83CC9D524}" type="datetimeFigureOut">
               <a:rPr lang="en-US" dirty="0"/>
               <a:pPr/>
-              <a:t>7/7/19</a:t>
+              <a:t>7/13/2019</a:t>
             </a:fld>
             <a:endParaRPr lang="en-US" dirty="0"/>
           </a:p>
@@ -4698,7 +4698,7 @@
           <a:ln/>
           <a:extLst>
             <a:ext uri="{91240B29-F687-4f45-9708-019B960494DF}">
-              <a14:hiddenLine xmlns:a14="http://schemas.microsoft.com/office/drawing/2010/main" xmlns="" w="9525">
+              <a14:hiddenLine xmlns="" xmlns:a14="http://schemas.microsoft.com/office/drawing/2010/main" w="9525">
                 <a:solidFill>
                   <a:srgbClr val="000000"/>
                 </a:solidFill>
@@ -5021,7 +5021,7 @@
             <a:fld id="{02640F58-564D-2B4F-AE67-E407BA4FCF45}" type="datetimeFigureOut">
               <a:rPr lang="en-US" dirty="0"/>
               <a:pPr/>
-              <a:t>7/7/19</a:t>
+              <a:t>7/13/2019</a:t>
             </a:fld>
             <a:endParaRPr lang="en-US" dirty="0"/>
           </a:p>
@@ -5172,7 +5172,7 @@
           <a:ln/>
           <a:extLst>
             <a:ext uri="{91240B29-F687-4f45-9708-019B960494DF}">
-              <a14:hiddenLine xmlns:a14="http://schemas.microsoft.com/office/drawing/2010/main" xmlns="" w="9525">
+              <a14:hiddenLine xmlns="" xmlns:a14="http://schemas.microsoft.com/office/drawing/2010/main" w="9525">
                 <a:solidFill>
                   <a:srgbClr val="000000"/>
                 </a:solidFill>
@@ -5239,7 +5239,7 @@
             <a:fld id="{F13A34C8-038E-2045-AF43-DF7DBB8E0E9E}" type="datetimeFigureOut">
               <a:rPr lang="en-US" dirty="0"/>
               <a:pPr/>
-              <a:t>7/7/19</a:t>
+              <a:t>7/13/2019</a:t>
             </a:fld>
             <a:endParaRPr lang="en-US" dirty="0"/>
           </a:p>
@@ -5331,7 +5331,7 @@
             <a:fld id="{8818C68F-D26B-8F47-958C-23B49CF8A634}" type="datetimeFigureOut">
               <a:rPr lang="en-US" dirty="0"/>
               <a:pPr/>
-              <a:t>7/7/19</a:t>
+              <a:t>7/13/2019</a:t>
             </a:fld>
             <a:endParaRPr lang="en-US" dirty="0"/>
           </a:p>
@@ -5595,7 +5595,7 @@
           <a:ln/>
           <a:extLst>
             <a:ext uri="{91240B29-F687-4f45-9708-019B960494DF}">
-              <a14:hiddenLine xmlns:a14="http://schemas.microsoft.com/office/drawing/2010/main" xmlns="" w="9525">
+              <a14:hiddenLine xmlns="" xmlns:a14="http://schemas.microsoft.com/office/drawing/2010/main" w="9525">
                 <a:solidFill>
                   <a:srgbClr val="000000"/>
                 </a:solidFill>
@@ -5795,7 +5795,7 @@
             <a:fld id="{D0DF5E60-9974-AC48-9591-99C2BB44B7CF}" type="datetimeFigureOut">
               <a:rPr lang="en-US" dirty="0"/>
               <a:pPr/>
-              <a:t>7/7/19</a:t>
+              <a:t>7/13/2019</a:t>
             </a:fld>
             <a:endParaRPr lang="en-US" dirty="0"/>
           </a:p>
@@ -6105,7 +6105,7 @@
             <a:fld id="{18C79C5D-2A6F-F04D-97DA-BEF2467B64E4}" type="datetimeFigureOut">
               <a:rPr lang="en-US" dirty="0"/>
               <a:pPr/>
-              <a:t>7/7/19</a:t>
+              <a:t>7/13/2019</a:t>
             </a:fld>
             <a:endParaRPr lang="en-US" dirty="0"/>
           </a:p>
@@ -6372,7 +6372,7 @@
             <a:fld id="{09B482E8-6E0E-1B4F-B1FD-C69DB9E858D9}" type="datetimeFigureOut">
               <a:rPr lang="en-US" dirty="0"/>
               <a:pPr/>
-              <a:t>7/7/19</a:t>
+              <a:t>7/13/2019</a:t>
             </a:fld>
             <a:endParaRPr lang="en-US" dirty="0"/>
           </a:p>
@@ -7014,7 +7014,6 @@
               <a:rPr lang="en-US" altLang="zh-CN" dirty="0"/>
               <a:t>"}</a:t>
             </a:r>
-            <a:endParaRPr lang="en-US" altLang="zh-CN" dirty="0"/>
           </a:p>
           <a:p>
             <a:pPr lvl="1"/>
@@ -7231,7 +7230,6 @@
               <a:rPr lang="en-US" altLang="zh-CN" dirty="0"/>
               <a:t> </a:t>
             </a:r>
-            <a:endParaRPr lang="en-US" altLang="zh-CN" dirty="0"/>
           </a:p>
         </p:txBody>
       </p:sp>
@@ -8099,7 +8097,19 @@
             </a:r>
             <a:r>
               <a:rPr kumimoji="1" lang="en-US" altLang="zh-CN" dirty="0"/>
-              <a:t> edit svc jaeger-query -n </a:t>
+              <a:t> edit svc </a:t>
+            </a:r>
+            <a:r>
+              <a:rPr kumimoji="1" lang="en-US" altLang="zh-CN" dirty="0" err="1" smtClean="0"/>
+              <a:t>kaili</a:t>
+            </a:r>
+            <a:r>
+              <a:rPr kumimoji="1" lang="en-US" altLang="zh-CN" dirty="0" smtClean="0"/>
+              <a:t> </a:t>
+            </a:r>
+            <a:r>
+              <a:rPr kumimoji="1" lang="en-US" altLang="zh-CN" dirty="0"/>
+              <a:t>-n </a:t>
             </a:r>
             <a:r>
               <a:rPr kumimoji="1" lang="en-US" altLang="zh-CN" dirty="0" err="1" smtClean="0"/>
@@ -8129,7 +8139,19 @@
             </a:r>
             <a:r>
               <a:rPr kumimoji="1" lang="en-US" altLang="zh-CN" dirty="0"/>
-              <a:t>get svc jaeger-query -n </a:t>
+              <a:t>get </a:t>
+            </a:r>
+            <a:r>
+              <a:rPr kumimoji="1" lang="en-US" altLang="zh-CN" dirty="0" smtClean="0"/>
+              <a:t>svc </a:t>
+            </a:r>
+            <a:r>
+              <a:rPr kumimoji="1" lang="en-US" altLang="zh-CN" smtClean="0"/>
+              <a:t>kaili </a:t>
+            </a:r>
+            <a:r>
+              <a:rPr kumimoji="1" lang="en-US" altLang="zh-CN" dirty="0"/>
+              <a:t>-n </a:t>
             </a:r>
             <a:r>
               <a:rPr kumimoji="1" lang="en-US" altLang="zh-CN" dirty="0" err="1" smtClean="0"/>
